--- a/presentations/4 - SOTA and beyond.pptx
+++ b/presentations/4 - SOTA and beyond.pptx
@@ -5,10 +5,10 @@
     <p:sldMasterId id="2147483648" r:id="rId4"/>
   </p:sldMasterIdLst>
   <p:notesMasterIdLst>
-    <p:notesMasterId r:id="rId12"/>
+    <p:notesMasterId r:id="rId13"/>
   </p:notesMasterIdLst>
   <p:handoutMasterIdLst>
-    <p:handoutMasterId r:id="rId13"/>
+    <p:handoutMasterId r:id="rId14"/>
   </p:handoutMasterIdLst>
   <p:sldIdLst>
     <p:sldId id="256" r:id="rId5"/>
@@ -17,7 +17,8 @@
     <p:sldId id="327" r:id="rId8"/>
     <p:sldId id="328" r:id="rId9"/>
     <p:sldId id="329" r:id="rId10"/>
-    <p:sldId id="324" r:id="rId11"/>
+    <p:sldId id="330" r:id="rId11"/>
+    <p:sldId id="324" r:id="rId12"/>
   </p:sldIdLst>
   <p:sldSz cx="9144000" cy="5143500" type="screen16x9"/>
   <p:notesSz cx="6858000" cy="9144000"/>
@@ -793,7 +794,7 @@
           <a:p>
             <a:fld id="{8D72D495-AFBC-D049-9D2A-D4CC16EF0503}" type="datetimeFigureOut">
               <a:rPr lang="en-US" smtClean="0"/>
-              <a:t>9/26/22</a:t>
+              <a:t>9/29/22</a:t>
             </a:fld>
             <a:endParaRPr lang="en-US"/>
           </a:p>
@@ -5551,8 +5552,8 @@
           </a:p>
         </p:txBody>
       </p:sp>
-      <mc:AlternateContent xmlns:mc="http://schemas.openxmlformats.org/markup-compatibility/2006">
-        <mc:Choice xmlns:a14="http://schemas.microsoft.com/office/drawing/2010/main" Requires="a14">
+      <mc:AlternateContent xmlns:mc="http://schemas.openxmlformats.org/markup-compatibility/2006" xmlns:a14="http://schemas.microsoft.com/office/drawing/2010/main">
+        <mc:Choice Requires="a14">
           <p:sp>
             <p:nvSpPr>
               <p:cNvPr id="22" name="TextBox 21">
@@ -5680,7 +5681,7 @@
             </p:txBody>
           </p:sp>
         </mc:Choice>
-        <mc:Fallback>
+        <mc:Fallback xmlns="">
           <p:sp>
             <p:nvSpPr>
               <p:cNvPr id="22" name="TextBox 21">
@@ -6646,13 +6647,13 @@
   <p:clrMapOvr>
     <a:masterClrMapping/>
   </p:clrMapOvr>
-  <mc:AlternateContent xmlns:mc="http://schemas.openxmlformats.org/markup-compatibility/2006">
-    <mc:Choice xmlns:p14="http://schemas.microsoft.com/office/powerpoint/2010/main" Requires="p14">
+  <mc:AlternateContent xmlns:mc="http://schemas.openxmlformats.org/markup-compatibility/2006" xmlns:p14="http://schemas.microsoft.com/office/powerpoint/2010/main">
+    <mc:Choice Requires="p14">
       <p:transition spd="med" p14:dur="700">
         <p:fade/>
       </p:transition>
     </mc:Choice>
-    <mc:Fallback>
+    <mc:Fallback xmlns="">
       <p:transition spd="med">
         <p:fade/>
       </p:transition>
@@ -7029,13 +7030,13 @@
   <p:clrMapOvr>
     <a:masterClrMapping/>
   </p:clrMapOvr>
-  <mc:AlternateContent xmlns:mc="http://schemas.openxmlformats.org/markup-compatibility/2006">
-    <mc:Choice xmlns:p14="http://schemas.microsoft.com/office/powerpoint/2010/main" Requires="p14">
+  <mc:AlternateContent xmlns:mc="http://schemas.openxmlformats.org/markup-compatibility/2006" xmlns:p14="http://schemas.microsoft.com/office/powerpoint/2010/main">
+    <mc:Choice Requires="p14">
       <p:transition spd="med" p14:dur="700">
         <p:fade/>
       </p:transition>
     </mc:Choice>
-    <mc:Fallback>
+    <mc:Fallback xmlns="">
       <p:transition spd="med">
         <p:fade/>
       </p:transition>
@@ -7045,6 +7046,234 @@
 </file>
 
 <file path=ppt/slides/slide7.xml><?xml version="1.0" encoding="utf-8"?>
+<p:sld xmlns:a="http://schemas.openxmlformats.org/drawingml/2006/main" xmlns:r="http://schemas.openxmlformats.org/officeDocument/2006/relationships" xmlns:p="http://schemas.openxmlformats.org/presentationml/2006/main">
+  <p:cSld>
+    <p:spTree>
+      <p:nvGrpSpPr>
+        <p:cNvPr id="1" name=""/>
+        <p:cNvGrpSpPr/>
+        <p:nvPr/>
+      </p:nvGrpSpPr>
+      <p:grpSpPr>
+        <a:xfrm>
+          <a:off x="0" y="0"/>
+          <a:ext cx="0" cy="0"/>
+          <a:chOff x="0" y="0"/>
+          <a:chExt cx="0" cy="0"/>
+        </a:xfrm>
+      </p:grpSpPr>
+      <p:sp>
+        <p:nvSpPr>
+          <p:cNvPr id="2" name="Title 1">
+            <a:extLst>
+              <a:ext uri="{FF2B5EF4-FFF2-40B4-BE49-F238E27FC236}">
+                <a16:creationId xmlns:a16="http://schemas.microsoft.com/office/drawing/2014/main" id="{96DC834B-5634-072D-B6D4-1F498192C5B5}"/>
+              </a:ext>
+            </a:extLst>
+          </p:cNvPr>
+          <p:cNvSpPr>
+            <a:spLocks noGrp="1"/>
+          </p:cNvSpPr>
+          <p:nvPr>
+            <p:ph type="title"/>
+          </p:nvPr>
+        </p:nvSpPr>
+        <p:spPr/>
+        <p:txBody>
+          <a:bodyPr/>
+          <a:lstStyle/>
+          <a:p>
+            <a:r>
+              <a:rPr lang="en-US" dirty="0"/>
+              <a:t>Useful links</a:t>
+            </a:r>
+          </a:p>
+        </p:txBody>
+      </p:sp>
+      <p:sp>
+        <p:nvSpPr>
+          <p:cNvPr id="3" name="Content Placeholder 2">
+            <a:extLst>
+              <a:ext uri="{FF2B5EF4-FFF2-40B4-BE49-F238E27FC236}">
+                <a16:creationId xmlns:a16="http://schemas.microsoft.com/office/drawing/2014/main" id="{3F15B484-D981-3582-2FEA-8950AE632590}"/>
+              </a:ext>
+            </a:extLst>
+          </p:cNvPr>
+          <p:cNvSpPr>
+            <a:spLocks noGrp="1"/>
+          </p:cNvSpPr>
+          <p:nvPr>
+            <p:ph idx="1"/>
+          </p:nvPr>
+        </p:nvSpPr>
+        <p:spPr/>
+        <p:txBody>
+          <a:bodyPr/>
+          <a:lstStyle/>
+          <a:p>
+            <a:r>
+              <a:rPr lang="en-US" dirty="0">
+                <a:hlinkClick r:id="rId2"/>
+              </a:rPr>
+              <a:t>GitHub Repository</a:t>
+            </a:r>
+            <a:endParaRPr lang="en-US" dirty="0"/>
+          </a:p>
+          <a:p>
+            <a:r>
+              <a:rPr lang="en-US" dirty="0" err="1">
+                <a:hlinkClick r:id="rId3"/>
+              </a:rPr>
+              <a:t>Colab</a:t>
+            </a:r>
+            <a:r>
+              <a:rPr lang="en-US" dirty="0">
+                <a:hlinkClick r:id="rId3"/>
+              </a:rPr>
+              <a:t> NDT – ML</a:t>
+            </a:r>
+            <a:endParaRPr lang="en-US" dirty="0"/>
+          </a:p>
+          <a:p>
+            <a:r>
+              <a:rPr lang="en-US" dirty="0" err="1">
+                <a:hlinkClick r:id="rId4"/>
+              </a:rPr>
+              <a:t>Colab</a:t>
+            </a:r>
+            <a:r>
+              <a:rPr lang="en-US" dirty="0">
+                <a:hlinkClick r:id="rId4"/>
+              </a:rPr>
+              <a:t> NDT – GNN</a:t>
+            </a:r>
+            <a:r>
+              <a:rPr lang="en-US" dirty="0"/>
+              <a:t> </a:t>
+            </a:r>
+          </a:p>
+        </p:txBody>
+      </p:sp>
+      <p:sp>
+        <p:nvSpPr>
+          <p:cNvPr id="4" name="Slide Number Placeholder 3">
+            <a:extLst>
+              <a:ext uri="{FF2B5EF4-FFF2-40B4-BE49-F238E27FC236}">
+                <a16:creationId xmlns:a16="http://schemas.microsoft.com/office/drawing/2014/main" id="{E47E4405-73D4-619A-B4AB-C6C282150EE7}"/>
+              </a:ext>
+            </a:extLst>
+          </p:cNvPr>
+          <p:cNvSpPr>
+            <a:spLocks noGrp="1"/>
+          </p:cNvSpPr>
+          <p:nvPr>
+            <p:ph type="sldNum" sz="quarter" idx="12"/>
+          </p:nvPr>
+        </p:nvSpPr>
+        <p:spPr/>
+        <p:txBody>
+          <a:bodyPr/>
+          <a:lstStyle/>
+          <a:p>
+            <a:fld id="{8836216C-5BC3-7C44-80F8-E30864FFC228}" type="slidenum">
+              <a:rPr lang="en-US" smtClean="0"/>
+              <a:t>7</a:t>
+            </a:fld>
+            <a:endParaRPr lang="en-US"/>
+          </a:p>
+        </p:txBody>
+      </p:sp>
+      <p:sp>
+        <p:nvSpPr>
+          <p:cNvPr id="5" name="Text Placeholder 4">
+            <a:extLst>
+              <a:ext uri="{FF2B5EF4-FFF2-40B4-BE49-F238E27FC236}">
+                <a16:creationId xmlns:a16="http://schemas.microsoft.com/office/drawing/2014/main" id="{20348AEF-3E09-15D7-DAFC-34D3BA3D53BA}"/>
+              </a:ext>
+            </a:extLst>
+          </p:cNvPr>
+          <p:cNvSpPr>
+            <a:spLocks noGrp="1"/>
+          </p:cNvSpPr>
+          <p:nvPr>
+            <p:ph type="body" sz="quarter" idx="13"/>
+          </p:nvPr>
+        </p:nvSpPr>
+        <p:spPr/>
+        <p:txBody>
+          <a:bodyPr/>
+          <a:lstStyle/>
+          <a:p>
+            <a:endParaRPr lang="en-US"/>
+          </a:p>
+        </p:txBody>
+      </p:sp>
+      <p:sp>
+        <p:nvSpPr>
+          <p:cNvPr id="6" name="Content Placeholder 5">
+            <a:extLst>
+              <a:ext uri="{FF2B5EF4-FFF2-40B4-BE49-F238E27FC236}">
+                <a16:creationId xmlns:a16="http://schemas.microsoft.com/office/drawing/2014/main" id="{7051F857-B573-E12A-43BE-23EEEE0D369C}"/>
+              </a:ext>
+            </a:extLst>
+          </p:cNvPr>
+          <p:cNvSpPr>
+            <a:spLocks noGrp="1"/>
+          </p:cNvSpPr>
+          <p:nvPr>
+            <p:ph idx="14"/>
+          </p:nvPr>
+        </p:nvSpPr>
+        <p:spPr/>
+        <p:txBody>
+          <a:bodyPr/>
+          <a:lstStyle/>
+          <a:p>
+            <a:r>
+              <a:rPr lang="en-US" dirty="0">
+                <a:hlinkClick r:id="rId5"/>
+              </a:rPr>
+              <a:t>Komondor Simulator</a:t>
+            </a:r>
+            <a:endParaRPr lang="en-US" dirty="0"/>
+          </a:p>
+          <a:p>
+            <a:r>
+              <a:rPr lang="en-US" dirty="0">
+                <a:hlinkClick r:id="rId6"/>
+              </a:rPr>
+              <a:t>Dataset</a:t>
+            </a:r>
+            <a:endParaRPr lang="en-US" dirty="0"/>
+          </a:p>
+        </p:txBody>
+      </p:sp>
+    </p:spTree>
+    <p:extLst>
+      <p:ext uri="{BB962C8B-B14F-4D97-AF65-F5344CB8AC3E}">
+        <p14:creationId xmlns:p14="http://schemas.microsoft.com/office/powerpoint/2010/main" val="3710002643"/>
+      </p:ext>
+    </p:extLst>
+  </p:cSld>
+  <p:clrMapOvr>
+    <a:masterClrMapping/>
+  </p:clrMapOvr>
+  <mc:AlternateContent xmlns:mc="http://schemas.openxmlformats.org/markup-compatibility/2006" xmlns:p14="http://schemas.microsoft.com/office/powerpoint/2010/main">
+    <mc:Choice Requires="p14">
+      <p:transition spd="med" p14:dur="700">
+        <p:fade/>
+      </p:transition>
+    </mc:Choice>
+    <mc:Fallback xmlns="">
+      <p:transition spd="med">
+        <p:fade/>
+      </p:transition>
+    </mc:Fallback>
+  </mc:AlternateContent>
+</p:sld>
+</file>
+
+<file path=ppt/slides/slide8.xml><?xml version="1.0" encoding="utf-8"?>
 <p:sld xmlns:a="http://schemas.openxmlformats.org/drawingml/2006/main" xmlns:r="http://schemas.openxmlformats.org/officeDocument/2006/relationships" xmlns:p="http://schemas.openxmlformats.org/presentationml/2006/main">
   <p:cSld>
     <p:spTree>
@@ -8096,15 +8325,6 @@
 </file>
 
 <file path=customXml/item1.xml><?xml version="1.0" encoding="utf-8"?>
-<?mso-contentType ?>
-<FormTemplates xmlns="http://schemas.microsoft.com/sharepoint/v3/contenttype/forms">
-  <Display>DocumentLibraryForm</Display>
-  <Edit>DocumentLibraryForm</Edit>
-  <New>DocumentLibraryForm</New>
-</FormTemplates>
-</file>
-
-<file path=customXml/item2.xml><?xml version="1.0" encoding="utf-8"?>
 <p:properties xmlns:p="http://schemas.microsoft.com/office/2006/metadata/properties" xmlns:xsi="http://www.w3.org/2001/XMLSchema-instance" xmlns:pc="http://schemas.microsoft.com/office/infopath/2007/PartnerControls">
   <documentManagement>
     <lcf76f155ced4ddcb4097134ff3c332f xmlns="1ae8e308-f195-485b-843d-38b3f4872eec">
@@ -8112,6 +8332,15 @@
     </lcf76f155ced4ddcb4097134ff3c332f>
   </documentManagement>
 </p:properties>
+</file>
+
+<file path=customXml/item2.xml><?xml version="1.0" encoding="utf-8"?>
+<?mso-contentType ?>
+<FormTemplates xmlns="http://schemas.microsoft.com/sharepoint/v3/contenttype/forms">
+  <Display>DocumentLibraryForm</Display>
+  <Edit>DocumentLibraryForm</Edit>
+  <New>DocumentLibraryForm</New>
+</FormTemplates>
 </file>
 
 <file path=customXml/item3.xml><?xml version="1.0" encoding="utf-8"?>
@@ -8267,14 +8496,6 @@
 </file>
 
 <file path=customXml/itemProps1.xml><?xml version="1.0" encoding="utf-8"?>
-<ds:datastoreItem xmlns:ds="http://schemas.openxmlformats.org/officeDocument/2006/customXml" ds:itemID="{C9379F3E-4F80-4C66-958F-8E1DE79415EB}">
-  <ds:schemaRefs>
-    <ds:schemaRef ds:uri="http://schemas.microsoft.com/sharepoint/v3/contenttype/forms"/>
-  </ds:schemaRefs>
-</ds:datastoreItem>
-</file>
-
-<file path=customXml/itemProps2.xml><?xml version="1.0" encoding="utf-8"?>
 <ds:datastoreItem xmlns:ds="http://schemas.openxmlformats.org/officeDocument/2006/customXml" ds:itemID="{0A18220C-E0E6-4FEA-92A3-77BB6D66C67E}">
   <ds:schemaRefs>
     <ds:schemaRef ds:uri="http://schemas.openxmlformats.org/package/2006/metadata/core-properties"/>
@@ -8286,6 +8507,14 @@
     <ds:schemaRef ds:uri="http://purl.org/dc/dcmitype/"/>
     <ds:schemaRef ds:uri="1ae8e308-f195-485b-843d-38b3f4872eec"/>
     <ds:schemaRef ds:uri="http://purl.org/dc/elements/1.1/"/>
+  </ds:schemaRefs>
+</ds:datastoreItem>
+</file>
+
+<file path=customXml/itemProps2.xml><?xml version="1.0" encoding="utf-8"?>
+<ds:datastoreItem xmlns:ds="http://schemas.openxmlformats.org/officeDocument/2006/customXml" ds:itemID="{C9379F3E-4F80-4C66-958F-8E1DE79415EB}">
+  <ds:schemaRefs>
+    <ds:schemaRef ds:uri="http://schemas.microsoft.com/sharepoint/v3/contenttype/forms"/>
   </ds:schemaRefs>
 </ds:datastoreItem>
 </file>
